--- a/OS/OS(3).pptx
+++ b/OS/OS(3).pptx
@@ -243,7 +243,7 @@
           <a:p>
             <a:fld id="{0A1B4B2D-224E-45E6-94BE-B6C5597E986C}" type="datetimeFigureOut">
               <a:rPr lang="ko-KR" altLang="en-US" smtClean="0"/>
-              <a:t>2021-05-27</a:t>
+              <a:t>2021-05-28</a:t>
             </a:fld>
             <a:endParaRPr lang="ko-KR" altLang="en-US"/>
           </a:p>
@@ -657,7 +657,7 @@
           <a:p>
             <a:fld id="{A3A5A270-26F7-4496-B6F6-8AEC490D287D}" type="datetime1">
               <a:rPr lang="ko-KR" altLang="en-US" smtClean="0"/>
-              <a:t>2021-05-27</a:t>
+              <a:t>2021-05-28</a:t>
             </a:fld>
             <a:endParaRPr lang="ko-KR" altLang="en-US"/>
           </a:p>
@@ -859,7 +859,7 @@
           <a:p>
             <a:fld id="{888DDA7C-92A1-4E47-B59C-7E55FF90BDB2}" type="datetime1">
               <a:rPr lang="ko-KR" altLang="en-US" smtClean="0"/>
-              <a:t>2021-05-27</a:t>
+              <a:t>2021-05-28</a:t>
             </a:fld>
             <a:endParaRPr lang="ko-KR" altLang="en-US"/>
           </a:p>
@@ -1071,7 +1071,7 @@
           <a:p>
             <a:fld id="{34F127CF-2167-452C-AA1B-EF30321D164F}" type="datetime1">
               <a:rPr lang="ko-KR" altLang="en-US" smtClean="0"/>
-              <a:t>2021-05-27</a:t>
+              <a:t>2021-05-28</a:t>
             </a:fld>
             <a:endParaRPr lang="ko-KR" altLang="en-US"/>
           </a:p>
@@ -1273,7 +1273,7 @@
           <a:p>
             <a:fld id="{EF4E3DAA-C394-4952-B4C7-976D5C325DEF}" type="datetime1">
               <a:rPr lang="ko-KR" altLang="en-US" smtClean="0"/>
-              <a:t>2021-05-27</a:t>
+              <a:t>2021-05-28</a:t>
             </a:fld>
             <a:endParaRPr lang="ko-KR" altLang="en-US"/>
           </a:p>
@@ -1552,7 +1552,7 @@
           <a:p>
             <a:fld id="{D1AEF0B0-75D9-4362-9091-A1620EAF3C67}" type="datetime1">
               <a:rPr lang="ko-KR" altLang="en-US" smtClean="0"/>
-              <a:t>2021-05-27</a:t>
+              <a:t>2021-05-28</a:t>
             </a:fld>
             <a:endParaRPr lang="ko-KR" altLang="en-US"/>
           </a:p>
@@ -1821,7 +1821,7 @@
           <a:p>
             <a:fld id="{BFB7D4DD-3D0A-42E0-BF7E-63FB28241E5A}" type="datetime1">
               <a:rPr lang="ko-KR" altLang="en-US" smtClean="0"/>
-              <a:t>2021-05-27</a:t>
+              <a:t>2021-05-28</a:t>
             </a:fld>
             <a:endParaRPr lang="ko-KR" altLang="en-US"/>
           </a:p>
@@ -2237,7 +2237,7 @@
           <a:p>
             <a:fld id="{809BC523-95B5-49C5-AAE1-ED4EADCE9A69}" type="datetime1">
               <a:rPr lang="ko-KR" altLang="en-US" smtClean="0"/>
-              <a:t>2021-05-27</a:t>
+              <a:t>2021-05-28</a:t>
             </a:fld>
             <a:endParaRPr lang="ko-KR" altLang="en-US"/>
           </a:p>
@@ -2382,7 +2382,7 @@
           <a:p>
             <a:fld id="{720CA721-E4EF-469A-A602-C5676C49BBC8}" type="datetime1">
               <a:rPr lang="ko-KR" altLang="en-US" smtClean="0"/>
-              <a:t>2021-05-27</a:t>
+              <a:t>2021-05-28</a:t>
             </a:fld>
             <a:endParaRPr lang="ko-KR" altLang="en-US"/>
           </a:p>
@@ -2499,7 +2499,7 @@
           <a:p>
             <a:fld id="{99D217A6-6BF0-4EB0-8AA9-E5415CE96D33}" type="datetime1">
               <a:rPr lang="ko-KR" altLang="en-US" smtClean="0"/>
-              <a:t>2021-05-27</a:t>
+              <a:t>2021-05-28</a:t>
             </a:fld>
             <a:endParaRPr lang="ko-KR" altLang="en-US"/>
           </a:p>
@@ -2814,7 +2814,7 @@
           <a:p>
             <a:fld id="{D99A764D-E483-43DC-923A-751E06C0B1AE}" type="datetime1">
               <a:rPr lang="ko-KR" altLang="en-US" smtClean="0"/>
-              <a:t>2021-05-27</a:t>
+              <a:t>2021-05-28</a:t>
             </a:fld>
             <a:endParaRPr lang="ko-KR" altLang="en-US"/>
           </a:p>
@@ -3106,7 +3106,7 @@
           <a:p>
             <a:fld id="{786ECE32-6A19-4F7A-982F-F504993AE0C0}" type="datetime1">
               <a:rPr lang="ko-KR" altLang="en-US" smtClean="0"/>
-              <a:t>2021-05-27</a:t>
+              <a:t>2021-05-28</a:t>
             </a:fld>
             <a:endParaRPr lang="ko-KR" altLang="en-US"/>
           </a:p>
@@ -3351,7 +3351,7 @@
           <a:p>
             <a:fld id="{C922B776-8E2E-49BD-921C-AB3C2B220833}" type="datetime1">
               <a:rPr lang="ko-KR" altLang="en-US" smtClean="0"/>
-              <a:t>2021-05-27</a:t>
+              <a:t>2021-05-28</a:t>
             </a:fld>
             <a:endParaRPr lang="ko-KR" altLang="en-US"/>
           </a:p>
@@ -10972,14 +10972,7 @@
                 <a:latin typeface="나눔바른고딕" panose="020B0603020101020101" pitchFamily="50" charset="-127"/>
                 <a:ea typeface="나눔바른고딕" panose="020B0603020101020101" pitchFamily="50" charset="-127"/>
               </a:rPr>
-              <a:t>에 프로세스 </a:t>
-            </a:r>
-            <a:r>
-              <a:rPr lang="ko-KR" altLang="en-US" dirty="0" err="1">
-                <a:latin typeface="나눔바른고딕" panose="020B0603020101020101" pitchFamily="50" charset="-127"/>
-                <a:ea typeface="나눔바른고딕" panose="020B0603020101020101" pitchFamily="50" charset="-127"/>
-              </a:rPr>
-              <a:t>할당ㄴ</a:t>
+              <a:t>에 프로세스 할당</a:t>
             </a:r>
             <a:endParaRPr lang="en-US" altLang="ko-KR" dirty="0">
               <a:latin typeface="나눔바른고딕" panose="020B0603020101020101" pitchFamily="50" charset="-127"/>
